--- a/Learning Materials/Unity/7. Scene/Scene.pptx
+++ b/Learning Materials/Unity/7. Scene/Scene.pptx
@@ -4998,6 +4998,347 @@
               <a:defRPr/>
             </a:pPr>
             <a:r>
+              <a:rPr xmlns:mc="http://schemas.openxmlformats.org/markup-compatibility/2006" xmlns:hp="http://schemas.haansoft.com/office/presentation/8.0" kumimoji="0" lang="ko-KR" altLang="en-US" sz="2000" b="0" i="0" u="none" strike="noStrike" kern="1200" cap="none" spc="0" normalizeH="0" baseline="0" mc:Ignorable="hp" hp:hslEmbossed="0">
+                <a:solidFill>
+                  <a:schemeClr val="tx1"/>
+                </a:solidFill>
+                <a:latin typeface="맑은 고딕"/>
+                <a:ea typeface="맑은 고딕"/>
+              </a:rPr>
+              <a:t>현재까지 배운 </a:t>
+            </a:r>
+            <a:r>
+              <a:rPr xmlns:mc="http://schemas.openxmlformats.org/markup-compatibility/2006" xmlns:hp="http://schemas.haansoft.com/office/presentation/8.0" kumimoji="0" lang="en-US" altLang="ko-KR" sz="2000" b="0" i="0" u="none" strike="noStrike" kern="1200" cap="none" spc="0" normalizeH="0" baseline="0" mc:Ignorable="hp" hp:hslEmbossed="0">
+                <a:solidFill>
+                  <a:schemeClr val="tx1"/>
+                </a:solidFill>
+                <a:latin typeface="맑은 고딕"/>
+                <a:ea typeface="맑은 고딕"/>
+              </a:rPr>
+              <a:t>Unity Component Script</a:t>
+            </a:r>
+            <a:r>
+              <a:rPr xmlns:mc="http://schemas.openxmlformats.org/markup-compatibility/2006" xmlns:hp="http://schemas.haansoft.com/office/presentation/8.0" kumimoji="0" lang="ko-KR" altLang="en-US" sz="2000" b="0" i="0" u="none" strike="noStrike" kern="1200" cap="none" spc="0" normalizeH="0" baseline="0" mc:Ignorable="hp" hp:hslEmbossed="0">
+                <a:solidFill>
+                  <a:schemeClr val="tx1"/>
+                </a:solidFill>
+                <a:latin typeface="맑은 고딕"/>
+                <a:ea typeface="맑은 고딕"/>
+              </a:rPr>
+              <a:t>에서 </a:t>
+            </a:r>
+            <a:r>
+              <a:rPr xmlns:mc="http://schemas.openxmlformats.org/markup-compatibility/2006" xmlns:hp="http://schemas.haansoft.com/office/presentation/8.0" kumimoji="0" lang="en-US" altLang="ko-KR" sz="2000" b="0" i="0" u="none" strike="noStrike" kern="1200" cap="none" spc="0" normalizeH="0" baseline="0" mc:Ignorable="hp" hp:hslEmbossed="0">
+                <a:solidFill>
+                  <a:schemeClr val="tx1"/>
+                </a:solidFill>
+                <a:latin typeface="맑은 고딕"/>
+                <a:ea typeface="맑은 고딕"/>
+              </a:rPr>
+              <a:t>Script Lifecycle</a:t>
+            </a:r>
+            <a:r>
+              <a:rPr xmlns:mc="http://schemas.openxmlformats.org/markup-compatibility/2006" xmlns:hp="http://schemas.haansoft.com/office/presentation/8.0" kumimoji="0" lang="ko-KR" altLang="en-US" sz="2000" b="0" i="0" u="none" strike="noStrike" kern="1200" cap="none" spc="0" normalizeH="0" baseline="0" mc:Ignorable="hp" hp:hslEmbossed="0">
+                <a:solidFill>
+                  <a:schemeClr val="tx1"/>
+                </a:solidFill>
+                <a:latin typeface="맑은 고딕"/>
+                <a:ea typeface="맑은 고딕"/>
+              </a:rPr>
+              <a:t>은 </a:t>
+            </a:r>
+            <a:r>
+              <a:rPr xmlns:mc="http://schemas.openxmlformats.org/markup-compatibility/2006" xmlns:hp="http://schemas.haansoft.com/office/presentation/8.0" kumimoji="0" lang="en-US" altLang="ko-KR" sz="2000" b="0" i="0" u="none" strike="noStrike" kern="1200" cap="none" spc="0" normalizeH="0" baseline="0" mc:Ignorable="hp" hp:hslEmbossed="0">
+                <a:solidFill>
+                  <a:schemeClr val="tx1"/>
+                </a:solidFill>
+                <a:latin typeface="맑은 고딕"/>
+                <a:ea typeface="맑은 고딕"/>
+              </a:rPr>
+              <a:t>4</a:t>
+            </a:r>
+            <a:r>
+              <a:rPr xmlns:mc="http://schemas.openxmlformats.org/markup-compatibility/2006" xmlns:hp="http://schemas.haansoft.com/office/presentation/8.0" kumimoji="0" lang="ko-KR" altLang="en-US" sz="2000" b="0" i="0" u="none" strike="noStrike" kern="1200" cap="none" spc="0" normalizeH="0" baseline="0" mc:Ignorable="hp" hp:hslEmbossed="0">
+                <a:solidFill>
+                  <a:schemeClr val="tx1"/>
+                </a:solidFill>
+                <a:latin typeface="맑은 고딕"/>
+                <a:ea typeface="맑은 고딕"/>
+              </a:rPr>
+              <a:t>가지</a:t>
+            </a:r>
+            <a:endParaRPr xmlns:mc="http://schemas.openxmlformats.org/markup-compatibility/2006" xmlns:hp="http://schemas.haansoft.com/office/presentation/8.0" kumimoji="0" lang="ko-KR" altLang="en-US" sz="2000" b="0" i="0" u="none" strike="noStrike" kern="1200" cap="none" spc="0" normalizeH="0" baseline="0" mc:Ignorable="hp" hp:hslEmbossed="0">
+              <a:solidFill>
+                <a:schemeClr val="tx1"/>
+              </a:solidFill>
+              <a:latin typeface="맑은 고딕"/>
+              <a:ea typeface="맑은 고딕"/>
+            </a:endParaRPr>
+          </a:p>
+          <a:p>
+            <a:pPr marL="742950" lvl="1" indent="-342900" algn="l" defTabSz="914400" rtl="0" eaLnBrk="1" latinLnBrk="1" hangingPunct="1">
+              <a:lnSpc>
+                <a:spcPct val="100000"/>
+              </a:lnSpc>
+              <a:spcBef>
+                <a:spcPct val="20000"/>
+              </a:spcBef>
+              <a:spcAft>
+                <a:spcPts val="0"/>
+              </a:spcAft>
+              <a:buFont typeface="Arial"/>
+              <a:buChar char="•"/>
+              <a:defRPr/>
+            </a:pPr>
+            <a:r>
+              <a:rPr xmlns:mc="http://schemas.openxmlformats.org/markup-compatibility/2006" xmlns:hp="http://schemas.haansoft.com/office/presentation/8.0" kumimoji="0" lang="en-US" altLang="ko-KR" sz="2000" b="0" i="0" u="none" strike="noStrike" kern="1200" cap="none" spc="0" normalizeH="0" baseline="0" mc:Ignorable="hp" hp:hslEmbossed="0">
+                <a:solidFill>
+                  <a:srgbClr val="ff0000"/>
+                </a:solidFill>
+                <a:latin typeface="맑은 고딕"/>
+                <a:ea typeface="맑은 고딕"/>
+              </a:rPr>
+              <a:t>Awake() -&gt; Start() -&gt; Update() -&gt;</a:t>
+            </a:r>
+            <a:r>
+              <a:rPr xmlns:mc="http://schemas.openxmlformats.org/markup-compatibility/2006" xmlns:hp="http://schemas.haansoft.com/office/presentation/8.0" kumimoji="0" lang="ko-KR" altLang="en-US" sz="2000" b="0" i="0" u="none" strike="noStrike" kern="1200" cap="none" spc="0" normalizeH="0" baseline="0" mc:Ignorable="hp" hp:hslEmbossed="0">
+                <a:solidFill>
+                  <a:srgbClr val="ff0000"/>
+                </a:solidFill>
+                <a:latin typeface="맑은 고딕"/>
+                <a:ea typeface="맑은 고딕"/>
+              </a:rPr>
+              <a:t> </a:t>
+            </a:r>
+            <a:r>
+              <a:rPr xmlns:mc="http://schemas.openxmlformats.org/markup-compatibility/2006" xmlns:hp="http://schemas.haansoft.com/office/presentation/8.0" kumimoji="0" lang="en-US" altLang="ko-KR" sz="2000" b="0" i="0" u="none" strike="noStrike" kern="1200" cap="none" spc="0" normalizeH="0" baseline="0" mc:Ignorable="hp" hp:hslEmbossed="0">
+                <a:solidFill>
+                  <a:srgbClr val="ff0000"/>
+                </a:solidFill>
+                <a:latin typeface="맑은 고딕"/>
+                <a:ea typeface="맑은 고딕"/>
+              </a:rPr>
+              <a:t>LateUpdate()</a:t>
+            </a:r>
+            <a:r>
+              <a:rPr xmlns:mc="http://schemas.openxmlformats.org/markup-compatibility/2006" xmlns:hp="http://schemas.haansoft.com/office/presentation/8.0" kumimoji="0" lang="en-US" altLang="ko-KR" sz="2000" b="0" i="0" u="none" strike="noStrike" kern="1200" cap="none" spc="0" normalizeH="0" baseline="0" mc:Ignorable="hp" hp:hslEmbossed="0">
+                <a:solidFill>
+                  <a:schemeClr val="tx1"/>
+                </a:solidFill>
+                <a:latin typeface="맑은 고딕"/>
+                <a:ea typeface="맑은 고딕"/>
+              </a:rPr>
+              <a:t>, </a:t>
+            </a:r>
+            <a:r>
+              <a:rPr xmlns:mc="http://schemas.openxmlformats.org/markup-compatibility/2006" xmlns:hp="http://schemas.haansoft.com/office/presentation/8.0" kumimoji="0" lang="ko-KR" altLang="en-US" sz="2000" b="0" i="0" u="none" strike="noStrike" kern="1200" cap="none" spc="0" normalizeH="0" baseline="0" mc:Ignorable="hp" hp:hslEmbossed="0">
+                <a:solidFill>
+                  <a:schemeClr val="tx1"/>
+                </a:solidFill>
+                <a:latin typeface="맑은 고딕"/>
+                <a:ea typeface="맑은 고딕"/>
+              </a:rPr>
+              <a:t>이 순서대로 실행 됨</a:t>
+            </a:r>
+            <a:endParaRPr xmlns:mc="http://schemas.openxmlformats.org/markup-compatibility/2006" xmlns:hp="http://schemas.haansoft.com/office/presentation/8.0" kumimoji="0" lang="ko-KR" altLang="en-US" sz="2000" b="0" i="0" u="none" strike="noStrike" kern="1200" cap="none" spc="0" normalizeH="0" baseline="0" mc:Ignorable="hp" hp:hslEmbossed="0">
+              <a:solidFill>
+                <a:schemeClr val="tx1"/>
+              </a:solidFill>
+              <a:latin typeface="맑은 고딕"/>
+              <a:ea typeface="맑은 고딕"/>
+            </a:endParaRPr>
+          </a:p>
+          <a:p>
+            <a:pPr lvl="1">
+              <a:defRPr/>
+            </a:pPr>
+            <a:r>
+              <a:rPr xmlns:mc="http://schemas.openxmlformats.org/markup-compatibility/2006" xmlns:hp="http://schemas.haansoft.com/office/presentation/8.0" kumimoji="0" lang="en-US" altLang="ko-KR" sz="2000" b="0" i="0" u="none" strike="noStrike" kern="1200" cap="none" spc="0" normalizeH="0" baseline="0" mc:Ignorable="hp" hp:hslEmbossed="0">
+                <a:solidFill>
+                  <a:schemeClr val="tx1"/>
+                </a:solidFill>
+                <a:latin typeface="맑은 고딕"/>
+                <a:ea typeface="맑은 고딕"/>
+              </a:rPr>
+              <a:t>https://docs.unity3d.com/Manual/ExecutionOrder.html</a:t>
+            </a:r>
+            <a:endParaRPr xmlns:mc="http://schemas.openxmlformats.org/markup-compatibility/2006" xmlns:hp="http://schemas.haansoft.com/office/presentation/8.0" kumimoji="0" lang="en-US" altLang="ko-KR" sz="2000" b="0" i="0" u="none" strike="noStrike" kern="1200" cap="none" spc="0" normalizeH="0" baseline="0" mc:Ignorable="hp" hp:hslEmbossed="0">
+              <a:solidFill>
+                <a:schemeClr val="tx1"/>
+              </a:solidFill>
+              <a:latin typeface="맑은 고딕"/>
+              <a:ea typeface="맑은 고딕"/>
+            </a:endParaRPr>
+          </a:p>
+          <a:p>
+            <a:pPr marL="342900" indent="-342900" algn="l" defTabSz="914400" rtl="0" eaLnBrk="1" latinLnBrk="1" hangingPunct="1">
+              <a:lnSpc>
+                <a:spcPct val="100000"/>
+              </a:lnSpc>
+              <a:spcBef>
+                <a:spcPct val="20000"/>
+              </a:spcBef>
+              <a:spcAft>
+                <a:spcPts val="0"/>
+              </a:spcAft>
+              <a:buFont typeface="Arial"/>
+              <a:buChar char="•"/>
+              <a:defRPr/>
+            </a:pPr>
+            <a:r>
+              <a:rPr xmlns:mc="http://schemas.openxmlformats.org/markup-compatibility/2006" xmlns:hp="http://schemas.haansoft.com/office/presentation/8.0" kumimoji="0" lang="ko-KR" altLang="en-US" sz="2000" b="0" i="0" u="none" strike="noStrike" kern="1200" cap="none" spc="0" normalizeH="0" baseline="0" mc:Ignorable="hp" hp:hslEmbossed="0">
+                <a:solidFill>
+                  <a:schemeClr val="tx1"/>
+                </a:solidFill>
+                <a:latin typeface="맑은 고딕"/>
+                <a:ea typeface="맑은 고딕"/>
+              </a:rPr>
+              <a:t>부모 클래스에서 </a:t>
+            </a:r>
+            <a:r>
+              <a:rPr xmlns:mc="http://schemas.openxmlformats.org/markup-compatibility/2006" xmlns:hp="http://schemas.haansoft.com/office/presentation/8.0" kumimoji="0" lang="en-US" altLang="ko-KR" sz="2000" b="0" i="0" u="none" strike="noStrike" kern="1200" cap="none" spc="0" normalizeH="0" baseline="0" mc:Ignorable="hp" hp:hslEmbossed="0">
+                <a:solidFill>
+                  <a:schemeClr val="tx1"/>
+                </a:solidFill>
+                <a:latin typeface="맑은 고딕"/>
+                <a:ea typeface="맑은 고딕"/>
+              </a:rPr>
+              <a:t>Awake()</a:t>
+            </a:r>
+            <a:r>
+              <a:rPr xmlns:mc="http://schemas.openxmlformats.org/markup-compatibility/2006" xmlns:hp="http://schemas.haansoft.com/office/presentation/8.0" kumimoji="0" lang="ko-KR" altLang="en-US" sz="2000" b="0" i="0" u="none" strike="noStrike" kern="1200" cap="none" spc="0" normalizeH="0" baseline="0" mc:Ignorable="hp" hp:hslEmbossed="0">
+                <a:solidFill>
+                  <a:schemeClr val="tx1"/>
+                </a:solidFill>
+                <a:latin typeface="맑은 고딕"/>
+                <a:ea typeface="맑은 고딕"/>
+              </a:rPr>
+              <a:t> 메소드 안에 </a:t>
+            </a:r>
+            <a:r>
+              <a:rPr xmlns:mc="http://schemas.openxmlformats.org/markup-compatibility/2006" xmlns:hp="http://schemas.haansoft.com/office/presentation/8.0" kumimoji="0" lang="en-US" altLang="ko-KR" sz="2000" b="0" i="0" u="none" strike="noStrike" kern="1200" cap="none" spc="0" normalizeH="0" baseline="0" mc:Ignorable="hp" hp:hslEmbossed="0">
+                <a:solidFill>
+                  <a:schemeClr val="tx1"/>
+                </a:solidFill>
+                <a:latin typeface="맑은 고딕"/>
+                <a:ea typeface="맑은 고딕"/>
+              </a:rPr>
+              <a:t>Init()</a:t>
+            </a:r>
+            <a:r>
+              <a:rPr xmlns:mc="http://schemas.openxmlformats.org/markup-compatibility/2006" xmlns:hp="http://schemas.haansoft.com/office/presentation/8.0" kumimoji="0" lang="ko-KR" altLang="en-US" sz="2000" b="0" i="0" u="none" strike="noStrike" kern="1200" cap="none" spc="0" normalizeH="0" baseline="0" mc:Ignorable="hp" hp:hslEmbossed="0">
+                <a:solidFill>
+                  <a:schemeClr val="tx1"/>
+                </a:solidFill>
+                <a:latin typeface="맑은 고딕"/>
+                <a:ea typeface="맑은 고딕"/>
+              </a:rPr>
+              <a:t>과 같은 메소드를 쓰면</a:t>
+            </a:r>
+            <a:r>
+              <a:rPr xmlns:mc="http://schemas.openxmlformats.org/markup-compatibility/2006" xmlns:hp="http://schemas.haansoft.com/office/presentation/8.0" kumimoji="0" lang="en-US" altLang="ko-KR" sz="2000" b="0" i="0" u="none" strike="noStrike" kern="1200" cap="none" spc="0" normalizeH="0" baseline="0" mc:Ignorable="hp" hp:hslEmbossed="0">
+                <a:solidFill>
+                  <a:schemeClr val="tx1"/>
+                </a:solidFill>
+                <a:latin typeface="맑은 고딕"/>
+                <a:ea typeface="맑은 고딕"/>
+              </a:rPr>
+              <a:t>,</a:t>
+            </a:r>
+            <a:r>
+              <a:rPr xmlns:mc="http://schemas.openxmlformats.org/markup-compatibility/2006" xmlns:hp="http://schemas.haansoft.com/office/presentation/8.0" kumimoji="0" lang="ko-KR" altLang="en-US" sz="2000" b="0" i="0" u="none" strike="noStrike" kern="1200" cap="none" spc="0" normalizeH="0" baseline="0" mc:Ignorable="hp" hp:hslEmbossed="0">
+                <a:solidFill>
+                  <a:schemeClr val="tx1"/>
+                </a:solidFill>
+                <a:latin typeface="맑은 고딕"/>
+                <a:ea typeface="맑은 고딕"/>
+              </a:rPr>
+              <a:t> 자식 클래스에서 </a:t>
+            </a:r>
+            <a:r>
+              <a:rPr xmlns:mc="http://schemas.openxmlformats.org/markup-compatibility/2006" xmlns:hp="http://schemas.haansoft.com/office/presentation/8.0" kumimoji="0" lang="en-US" altLang="ko-KR" sz="2000" b="0" i="0" u="none" strike="noStrike" kern="1200" cap="none" spc="0" normalizeH="0" baseline="0" mc:Ignorable="hp" hp:hslEmbossed="0">
+                <a:solidFill>
+                  <a:schemeClr val="tx1"/>
+                </a:solidFill>
+                <a:latin typeface="맑은 고딕"/>
+                <a:ea typeface="맑은 고딕"/>
+              </a:rPr>
+              <a:t>Init()</a:t>
+            </a:r>
+            <a:r>
+              <a:rPr xmlns:mc="http://schemas.openxmlformats.org/markup-compatibility/2006" xmlns:hp="http://schemas.haansoft.com/office/presentation/8.0" kumimoji="0" lang="ko-KR" altLang="en-US" sz="2000" b="0" i="0" u="none" strike="noStrike" kern="1200" cap="none" spc="0" normalizeH="0" baseline="0" mc:Ignorable="hp" hp:hslEmbossed="0">
+                <a:solidFill>
+                  <a:schemeClr val="tx1"/>
+                </a:solidFill>
+                <a:latin typeface="맑은 고딕"/>
+                <a:ea typeface="맑은 고딕"/>
+              </a:rPr>
+              <a:t>을 해주지 않아도</a:t>
+            </a:r>
+            <a:r>
+              <a:rPr xmlns:mc="http://schemas.openxmlformats.org/markup-compatibility/2006" xmlns:hp="http://schemas.haansoft.com/office/presentation/8.0" kumimoji="0" lang="en-US" altLang="ko-KR" sz="2000" b="0" i="0" u="none" strike="noStrike" kern="1200" cap="none" spc="0" normalizeH="0" baseline="0" mc:Ignorable="hp" hp:hslEmbossed="0">
+                <a:solidFill>
+                  <a:schemeClr val="tx1"/>
+                </a:solidFill>
+                <a:latin typeface="맑은 고딕"/>
+                <a:ea typeface="맑은 고딕"/>
+              </a:rPr>
+              <a:t>,</a:t>
+            </a:r>
+            <a:r>
+              <a:rPr xmlns:mc="http://schemas.openxmlformats.org/markup-compatibility/2006" xmlns:hp="http://schemas.haansoft.com/office/presentation/8.0" kumimoji="0" lang="ko-KR" altLang="en-US" sz="2000" b="0" i="0" u="none" strike="noStrike" kern="1200" cap="none" spc="0" normalizeH="0" baseline="0" mc:Ignorable="hp" hp:hslEmbossed="0">
+                <a:solidFill>
+                  <a:schemeClr val="tx1"/>
+                </a:solidFill>
+                <a:latin typeface="맑은 고딕"/>
+                <a:ea typeface="맑은 고딕"/>
+              </a:rPr>
+              <a:t> 자동으로 자식의 </a:t>
+            </a:r>
+            <a:r>
+              <a:rPr xmlns:mc="http://schemas.openxmlformats.org/markup-compatibility/2006" xmlns:hp="http://schemas.haansoft.com/office/presentation/8.0" kumimoji="0" lang="en-US" altLang="ko-KR" sz="2000" b="0" i="0" u="none" strike="noStrike" kern="1200" cap="none" spc="0" normalizeH="0" baseline="0" mc:Ignorable="hp" hp:hslEmbossed="0">
+                <a:solidFill>
+                  <a:schemeClr val="tx1"/>
+                </a:solidFill>
+                <a:latin typeface="맑은 고딕"/>
+                <a:ea typeface="맑은 고딕"/>
+              </a:rPr>
+              <a:t>Init()</a:t>
+            </a:r>
+            <a:r>
+              <a:rPr xmlns:mc="http://schemas.openxmlformats.org/markup-compatibility/2006" xmlns:hp="http://schemas.haansoft.com/office/presentation/8.0" kumimoji="0" lang="ko-KR" altLang="en-US" sz="2000" b="0" i="0" u="none" strike="noStrike" kern="1200" cap="none" spc="0" normalizeH="0" baseline="0" mc:Ignorable="hp" hp:hslEmbossed="0">
+                <a:solidFill>
+                  <a:schemeClr val="tx1"/>
+                </a:solidFill>
+                <a:latin typeface="맑은 고딕"/>
+                <a:ea typeface="맑은 고딕"/>
+              </a:rPr>
+              <a:t>이 호출 됨</a:t>
+            </a:r>
+            <a:endParaRPr xmlns:mc="http://schemas.openxmlformats.org/markup-compatibility/2006" xmlns:hp="http://schemas.haansoft.com/office/presentation/8.0" kumimoji="0" lang="ko-KR" altLang="en-US" sz="2000" b="0" i="0" u="none" strike="noStrike" kern="1200" cap="none" spc="0" normalizeH="0" baseline="0" mc:Ignorable="hp" hp:hslEmbossed="0">
+              <a:solidFill>
+                <a:schemeClr val="tx1"/>
+              </a:solidFill>
+              <a:latin typeface="맑은 고딕"/>
+              <a:ea typeface="맑은 고딕"/>
+            </a:endParaRPr>
+          </a:p>
+          <a:p>
+            <a:pPr marL="342900" indent="-342900" algn="l" defTabSz="914400" rtl="0" eaLnBrk="1" latinLnBrk="1" hangingPunct="1">
+              <a:lnSpc>
+                <a:spcPct val="100000"/>
+              </a:lnSpc>
+              <a:spcBef>
+                <a:spcPct val="20000"/>
+              </a:spcBef>
+              <a:spcAft>
+                <a:spcPts val="0"/>
+              </a:spcAft>
+              <a:buFont typeface="Arial"/>
+              <a:buChar char="•"/>
+              <a:defRPr/>
+            </a:pPr>
+            <a:r>
               <a:rPr xmlns:mc="http://schemas.openxmlformats.org/markup-compatibility/2006" xmlns:hp="http://schemas.haansoft.com/office/presentation/8.0" kumimoji="0" lang="en-US" altLang="ko-KR" sz="2000" b="0" i="0" u="none" strike="noStrike" kern="1200" cap="none" spc="0" normalizeH="0" baseline="0" mc:Ignorable="hp" hp:hslEmbossed="0">
                 <a:solidFill>
                   <a:schemeClr val="tx1"/>
@@ -5147,7 +5488,7 @@
       </p:grpSpPr>
       <p:pic>
         <p:nvPicPr>
-          <p:cNvPr id="4" name=""/>
+          <p:cNvPr id="10" name=""/>
           <p:cNvPicPr>
             <a:picLocks noChangeAspect="1"/>
           </p:cNvPicPr>
@@ -5408,7 +5749,7 @@
       </p:grpSpPr>
       <p:pic>
         <p:nvPicPr>
-          <p:cNvPr id="4" name=""/>
+          <p:cNvPr id="9" name=""/>
           <p:cNvPicPr>
             <a:picLocks noChangeAspect="1"/>
           </p:cNvPicPr>
@@ -5675,7 +6016,7 @@
       </p:grpSpPr>
       <p:pic>
         <p:nvPicPr>
-          <p:cNvPr id="12" name=""/>
+          <p:cNvPr id="13" name=""/>
           <p:cNvPicPr>
             <a:picLocks noChangeAspect="1"/>
           </p:cNvPicPr>
@@ -6361,6 +6702,108 @@
                 <a:srgbClr val="ffffff"/>
               </a:solidFill>
               <a:latin typeface="맑은 고딕"/>
+              <a:ea typeface="맑은 고딕"/>
+              <a:cs typeface="맑은 고딕"/>
+            </a:endParaRPr>
+          </a:p>
+        </p:txBody>
+      </p:sp>
+      <p:sp>
+        <p:nvSpPr>
+          <p:cNvPr id="14" name=""/>
+          <p:cNvSpPr/>
+          <p:nvPr/>
+        </p:nvSpPr>
+        <p:spPr>
+          <a:xfrm>
+            <a:off x="311633" y="1539378"/>
+            <a:ext cx="535604" cy="188722"/>
+          </a:xfrm>
+          <a:prstGeom prst="rect">
+            <a:avLst/>
+          </a:prstGeom>
+          <a:noFill/>
+          <a:ln w="76200" cap="flat" cmpd="sng" algn="ctr">
+            <a:solidFill>
+              <a:srgbClr val="ff0000">
+                <a:alpha val="100000"/>
+              </a:srgbClr>
+            </a:solidFill>
+            <a:prstDash val="solid"/>
+          </a:ln>
+        </p:spPr>
+        <p:txBody>
+          <a:bodyPr anchor="ctr"/>
+          <a:p>
+            <a:pPr marL="0" indent="0" algn="ctr" defTabSz="914400" rtl="0" eaLnBrk="1" latinLnBrk="1" hangingPunct="1">
+              <a:lnSpc>
+                <a:spcPct val="100000"/>
+              </a:lnSpc>
+              <a:spcBef>
+                <a:spcPct val="0"/>
+              </a:spcBef>
+              <a:spcAft>
+                <a:spcPts val="0"/>
+              </a:spcAft>
+              <a:buNone/>
+              <a:defRPr/>
+            </a:pPr>
+            <a:endParaRPr xmlns:mc="http://schemas.openxmlformats.org/markup-compatibility/2006" xmlns:hp="http://schemas.haansoft.com/office/presentation/8.0" kumimoji="0" lang="ko-KR" altLang="en-US" sz="1800" b="0" i="0" u="none" strike="noStrike" kern="1200" cap="none" spc="0" normalizeH="0" baseline="0" mc:Ignorable="hp" hp:hslEmbossed="0">
+              <a:solidFill>
+                <a:srgbClr val="ffffff"/>
+              </a:solidFill>
+              <a:latin typeface="Calibri"/>
+              <a:ea typeface="맑은 고딕"/>
+              <a:cs typeface="맑은 고딕"/>
+            </a:endParaRPr>
+          </a:p>
+        </p:txBody>
+      </p:sp>
+      <p:sp>
+        <p:nvSpPr>
+          <p:cNvPr id="15" name=""/>
+          <p:cNvSpPr/>
+          <p:nvPr/>
+        </p:nvSpPr>
+        <p:spPr>
+          <a:xfrm>
+            <a:off x="9355422" y="1225663"/>
+            <a:ext cx="2836579" cy="207546"/>
+          </a:xfrm>
+          <a:prstGeom prst="rect">
+            <a:avLst/>
+          </a:prstGeom>
+          <a:noFill/>
+          <a:ln w="76200" cap="flat" cmpd="sng" algn="ctr">
+            <a:solidFill>
+              <a:srgbClr val="ff0000">
+                <a:alpha val="100000"/>
+              </a:srgbClr>
+            </a:solidFill>
+            <a:prstDash val="solid"/>
+          </a:ln>
+        </p:spPr>
+        <p:txBody>
+          <a:bodyPr anchor="ctr"/>
+          <a:p>
+            <a:pPr marL="0" indent="0" algn="ctr" defTabSz="914400" rtl="0" eaLnBrk="1" latinLnBrk="1" hangingPunct="1">
+              <a:lnSpc>
+                <a:spcPct val="100000"/>
+              </a:lnSpc>
+              <a:spcBef>
+                <a:spcPct val="0"/>
+              </a:spcBef>
+              <a:spcAft>
+                <a:spcPts val="0"/>
+              </a:spcAft>
+              <a:buNone/>
+              <a:defRPr/>
+            </a:pPr>
+            <a:endParaRPr xmlns:mc="http://schemas.openxmlformats.org/markup-compatibility/2006" xmlns:hp="http://schemas.haansoft.com/office/presentation/8.0" kumimoji="0" lang="ko-KR" altLang="en-US" sz="1800" b="0" i="0" u="none" strike="noStrike" kern="1200" cap="none" spc="0" normalizeH="0" baseline="0" mc:Ignorable="hp" hp:hslEmbossed="0">
+              <a:solidFill>
+                <a:srgbClr val="ffffff"/>
+              </a:solidFill>
+              <a:latin typeface="Calibri"/>
               <a:ea typeface="맑은 고딕"/>
               <a:cs typeface="맑은 고딕"/>
             </a:endParaRPr>
@@ -6407,7 +6850,7 @@
       </p:grpSpPr>
       <p:pic>
         <p:nvPicPr>
-          <p:cNvPr id="4" name=""/>
+          <p:cNvPr id="7" name=""/>
           <p:cNvPicPr>
             <a:picLocks noChangeAspect="1"/>
           </p:cNvPicPr>
@@ -6608,7 +7051,7 @@
       </p:grpSpPr>
       <p:pic>
         <p:nvPicPr>
-          <p:cNvPr id="4" name=""/>
+          <p:cNvPr id="8" name=""/>
           <p:cNvPicPr>
             <a:picLocks noChangeAspect="1"/>
           </p:cNvPicPr>
